--- a/doc/ツール解説 for　extraction.pptx
+++ b/doc/ツール解説 for　extraction.pptx
@@ -113,6 +113,22 @@
       </a:defRPr>
     </a:lvl9pPr>
   </p:defaultTextStyle>
+  <p:extLst>
+    <p:ext uri="{EFAFB233-063F-42B5-8137-9DF3F51BA10A}">
+      <p15:sldGuideLst xmlns:p15="http://schemas.microsoft.com/office/powerpoint/2012/main">
+        <p15:guide id="1" orient="horz" pos="2160">
+          <p15:clr>
+            <a:srgbClr val="A4A3A4"/>
+          </p15:clr>
+        </p15:guide>
+        <p15:guide id="2" pos="2880">
+          <p15:clr>
+            <a:srgbClr val="A4A3A4"/>
+          </p15:clr>
+        </p15:guide>
+      </p15:sldGuideLst>
+    </p:ext>
+  </p:extLst>
 </p:presentation>
 </file>
 
@@ -1928,7 +1944,7 @@
           <a:p>
             <a:fld id="{E90ED720-0104-4369-84BC-D37694168613}" type="datetimeFigureOut">
               <a:rPr kumimoji="1" lang="ja-JP" altLang="en-US" smtClean="0"/>
-              <a:t>2013/6/23</a:t>
+              <a:t>2017/3/5</a:t>
             </a:fld>
             <a:endParaRPr kumimoji="1" lang="ja-JP" altLang="en-US"/>
           </a:p>
@@ -2141,7 +2157,7 @@
           <a:p>
             <a:fld id="{E90ED720-0104-4369-84BC-D37694168613}" type="datetimeFigureOut">
               <a:rPr kumimoji="1" lang="ja-JP" altLang="en-US" smtClean="0"/>
-              <a:t>2013/6/23</a:t>
+              <a:t>2017/3/5</a:t>
             </a:fld>
             <a:endParaRPr kumimoji="1" lang="ja-JP" altLang="en-US"/>
           </a:p>
@@ -2292,7 +2308,7 @@
           <a:p>
             <a:fld id="{E90ED720-0104-4369-84BC-D37694168613}" type="datetimeFigureOut">
               <a:rPr kumimoji="1" lang="ja-JP" altLang="en-US" smtClean="0"/>
-              <a:t>2013/6/23</a:t>
+              <a:t>2017/3/5</a:t>
             </a:fld>
             <a:endParaRPr kumimoji="1" lang="ja-JP" altLang="en-US"/>
           </a:p>
@@ -4182,7 +4198,7 @@
           <a:p>
             <a:fld id="{E90ED720-0104-4369-84BC-D37694168613}" type="datetimeFigureOut">
               <a:rPr kumimoji="1" lang="ja-JP" altLang="en-US" smtClean="0"/>
-              <a:t>2013/6/23</a:t>
+              <a:t>2017/3/5</a:t>
             </a:fld>
             <a:endParaRPr kumimoji="1" lang="ja-JP" altLang="en-US"/>
           </a:p>
@@ -6052,7 +6068,7 @@
           <a:p>
             <a:fld id="{E90ED720-0104-4369-84BC-D37694168613}" type="datetimeFigureOut">
               <a:rPr kumimoji="1" lang="ja-JP" altLang="en-US" smtClean="0"/>
-              <a:t>2013/6/23</a:t>
+              <a:t>2017/3/5</a:t>
             </a:fld>
             <a:endParaRPr kumimoji="1" lang="ja-JP" altLang="en-US"/>
           </a:p>
@@ -6165,7 +6181,7 @@
           <a:p>
             <a:fld id="{E90ED720-0104-4369-84BC-D37694168613}" type="datetimeFigureOut">
               <a:rPr kumimoji="1" lang="ja-JP" altLang="en-US" smtClean="0"/>
-              <a:t>2013/6/23</a:t>
+              <a:t>2017/3/5</a:t>
             </a:fld>
             <a:endParaRPr kumimoji="1" lang="ja-JP" altLang="en-US"/>
           </a:p>
@@ -6834,7 +6850,7 @@
           <a:p>
             <a:fld id="{E90ED720-0104-4369-84BC-D37694168613}" type="datetimeFigureOut">
               <a:rPr kumimoji="1" lang="ja-JP" altLang="en-US" smtClean="0"/>
-              <a:t>2013/6/23</a:t>
+              <a:t>2017/3/5</a:t>
             </a:fld>
             <a:endParaRPr kumimoji="1" lang="ja-JP" altLang="en-US"/>
           </a:p>
@@ -6947,7 +6963,7 @@
           <a:p>
             <a:fld id="{E90ED720-0104-4369-84BC-D37694168613}" type="datetimeFigureOut">
               <a:rPr kumimoji="1" lang="ja-JP" altLang="en-US" smtClean="0"/>
-              <a:t>2013/6/23</a:t>
+              <a:t>2017/3/5</a:t>
             </a:fld>
             <a:endParaRPr kumimoji="1" lang="ja-JP" altLang="en-US"/>
           </a:p>
@@ -8658,7 +8674,7 @@
           <a:p>
             <a:fld id="{E90ED720-0104-4369-84BC-D37694168613}" type="datetimeFigureOut">
               <a:rPr kumimoji="1" lang="ja-JP" altLang="en-US" smtClean="0"/>
-              <a:t>2013/6/23</a:t>
+              <a:t>2017/3/5</a:t>
             </a:fld>
             <a:endParaRPr kumimoji="1" lang="ja-JP" altLang="en-US"/>
           </a:p>
@@ -8809,7 +8825,7 @@
           <a:p>
             <a:fld id="{E90ED720-0104-4369-84BC-D37694168613}" type="datetimeFigureOut">
               <a:rPr kumimoji="1" lang="ja-JP" altLang="en-US" smtClean="0"/>
-              <a:t>2013/6/23</a:t>
+              <a:t>2017/3/5</a:t>
             </a:fld>
             <a:endParaRPr kumimoji="1" lang="ja-JP" altLang="en-US"/>
           </a:p>
@@ -12456,7 +12472,7 @@
           <a:p>
             <a:fld id="{E90ED720-0104-4369-84BC-D37694168613}" type="datetimeFigureOut">
               <a:rPr kumimoji="1" lang="ja-JP" altLang="en-US" smtClean="0"/>
-              <a:t>2013/6/23</a:t>
+              <a:t>2017/3/5</a:t>
             </a:fld>
             <a:endParaRPr kumimoji="1" lang="ja-JP" altLang="en-US"/>
           </a:p>
@@ -14315,7 +14331,7 @@
           <a:p>
             <a:fld id="{E90ED720-0104-4369-84BC-D37694168613}" type="datetimeFigureOut">
               <a:rPr kumimoji="1" lang="ja-JP" altLang="en-US" smtClean="0"/>
-              <a:t>2013/6/23</a:t>
+              <a:t>2017/3/5</a:t>
             </a:fld>
             <a:endParaRPr kumimoji="1" lang="ja-JP" altLang="en-US"/>
           </a:p>
@@ -16279,11 +16295,7 @@
           <a:p>
             <a:r>
               <a:rPr kumimoji="1" lang="ja-JP" altLang="en-US" dirty="0" smtClean="0"/>
-              <a:t>バージョンによって、動作が</a:t>
-            </a:r>
-            <a:r>
-              <a:rPr kumimoji="1" lang="ja-JP" altLang="en-US" dirty="0" smtClean="0"/>
-              <a:t>異なる</a:t>
+              <a:t>バージョンによって、動作が異なる</a:t>
             </a:r>
             <a:endParaRPr kumimoji="1" lang="en-US" altLang="ja-JP" dirty="0" smtClean="0"/>
           </a:p>
@@ -16917,8 +16929,8 @@
         </p:nvSpPr>
         <p:spPr>
           <a:xfrm>
-            <a:off x="153219" y="2132856"/>
-            <a:ext cx="8883275" cy="1584176"/>
+            <a:off x="153219" y="2132855"/>
+            <a:ext cx="8883275" cy="1806715"/>
           </a:xfrm>
           <a:prstGeom prst="rect">
             <a:avLst/>
